--- a/Google analytics Capstone.pptx
+++ b/Google analytics Capstone.pptx
@@ -5,7 +5,7 @@
     <p:sldMasterId id="2147483660" r:id="rId1"/>
   </p:sldMasterIdLst>
   <p:notesMasterIdLst>
-    <p:notesMasterId r:id="rId16"/>
+    <p:notesMasterId r:id="rId23"/>
   </p:notesMasterIdLst>
   <p:sldIdLst>
     <p:sldId id="256" r:id="rId2"/>
@@ -22,6 +22,13 @@
     <p:sldId id="267" r:id="rId13"/>
     <p:sldId id="268" r:id="rId14"/>
     <p:sldId id="269" r:id="rId15"/>
+    <p:sldId id="270" r:id="rId16"/>
+    <p:sldId id="271" r:id="rId17"/>
+    <p:sldId id="272" r:id="rId18"/>
+    <p:sldId id="274" r:id="rId19"/>
+    <p:sldId id="273" r:id="rId20"/>
+    <p:sldId id="275" r:id="rId21"/>
+    <p:sldId id="276" r:id="rId22"/>
   </p:sldIdLst>
   <p:sldSz cx="9144000" cy="6858000" type="screen4x3"/>
   <p:notesSz cx="6858000" cy="9144000"/>
@@ -205,7 +212,7 @@
           <a:p>
             <a:fld id="{940731A4-A046-47AB-AB0E-82AB7C1DE3B5}" type="datetimeFigureOut">
               <a:rPr lang="fr-FR" smtClean="0"/>
-              <a:t>18/06/2022</a:t>
+              <a:t>19/06/2022</a:t>
             </a:fld>
             <a:endParaRPr lang="fr-FR"/>
           </a:p>
@@ -667,7 +674,7 @@
           <a:p>
             <a:fld id="{FD8A8D2A-0B60-4D10-8D9F-E7361E3F6E24}" type="datetime1">
               <a:rPr lang="fr-FR" smtClean="0"/>
-              <a:t>18/06/2022</a:t>
+              <a:t>19/06/2022</a:t>
             </a:fld>
             <a:endParaRPr lang="fr-BE"/>
           </a:p>
@@ -832,7 +839,7 @@
           <a:p>
             <a:fld id="{632CFCD4-0FEE-4974-8705-614DE6F223C6}" type="datetime1">
               <a:rPr lang="fr-FR" smtClean="0"/>
-              <a:t>18/06/2022</a:t>
+              <a:t>19/06/2022</a:t>
             </a:fld>
             <a:endParaRPr lang="fr-BE"/>
           </a:p>
@@ -1007,7 +1014,7 @@
           <a:p>
             <a:fld id="{8955238C-1664-4135-95EC-D89B2E95D969}" type="datetime1">
               <a:rPr lang="fr-FR" smtClean="0"/>
-              <a:t>18/06/2022</a:t>
+              <a:t>19/06/2022</a:t>
             </a:fld>
             <a:endParaRPr lang="fr-BE"/>
           </a:p>
@@ -1172,7 +1179,7 @@
           <a:p>
             <a:fld id="{C7BB5508-1BBF-4242-8CE9-F4ABBB144E03}" type="datetime1">
               <a:rPr lang="fr-FR" smtClean="0"/>
-              <a:t>18/06/2022</a:t>
+              <a:t>19/06/2022</a:t>
             </a:fld>
             <a:endParaRPr lang="fr-BE"/>
           </a:p>
@@ -1413,7 +1420,7 @@
           <a:p>
             <a:fld id="{4066890E-337D-4435-A361-AC7F54E58E3E}" type="datetime1">
               <a:rPr lang="fr-FR" smtClean="0"/>
-              <a:t>18/06/2022</a:t>
+              <a:t>19/06/2022</a:t>
             </a:fld>
             <a:endParaRPr lang="fr-BE"/>
           </a:p>
@@ -1696,7 +1703,7 @@
           <a:p>
             <a:fld id="{11631553-4E75-4E69-8F1D-DEC88282CE08}" type="datetime1">
               <a:rPr lang="fr-FR" smtClean="0"/>
-              <a:t>18/06/2022</a:t>
+              <a:t>19/06/2022</a:t>
             </a:fld>
             <a:endParaRPr lang="fr-BE"/>
           </a:p>
@@ -2125,7 +2132,7 @@
           <a:p>
             <a:fld id="{980A5584-910C-4B22-9D18-35E1B57C6894}" type="datetime1">
               <a:rPr lang="fr-FR" smtClean="0"/>
-              <a:t>18/06/2022</a:t>
+              <a:t>19/06/2022</a:t>
             </a:fld>
             <a:endParaRPr lang="fr-BE"/>
           </a:p>
@@ -2238,7 +2245,7 @@
           <a:p>
             <a:fld id="{FBF09D3C-4588-45A4-9D6A-87E1B7E28026}" type="datetime1">
               <a:rPr lang="fr-FR" smtClean="0"/>
-              <a:t>18/06/2022</a:t>
+              <a:t>19/06/2022</a:t>
             </a:fld>
             <a:endParaRPr lang="fr-BE"/>
           </a:p>
@@ -2328,7 +2335,7 @@
           <a:p>
             <a:fld id="{6CCB97F1-6B77-4E9E-8CEB-A970A9F0D2E6}" type="datetime1">
               <a:rPr lang="fr-FR" smtClean="0"/>
-              <a:t>18/06/2022</a:t>
+              <a:t>19/06/2022</a:t>
             </a:fld>
             <a:endParaRPr lang="fr-BE"/>
           </a:p>
@@ -2517,7 +2524,7 @@
           <a:p>
             <a:fld id="{FC3C879F-46CB-44E1-9372-F53E1CACB493}" type="datetime1">
               <a:rPr lang="fr-FR" smtClean="0"/>
-              <a:t>18/06/2022</a:t>
+              <a:t>19/06/2022</a:t>
             </a:fld>
             <a:endParaRPr lang="fr-BE"/>
           </a:p>
@@ -2835,7 +2842,7 @@
           <a:p>
             <a:fld id="{2B57825A-7304-4CA3-8378-F9093DB8265F}" type="datetime1">
               <a:rPr lang="fr-FR" smtClean="0"/>
-              <a:t>18/06/2022</a:t>
+              <a:t>19/06/2022</a:t>
             </a:fld>
             <a:endParaRPr lang="fr-BE"/>
           </a:p>
@@ -3214,7 +3221,7 @@
           <a:p>
             <a:fld id="{2FECE4EF-EBAE-4D70-A9C1-07A107AD85E5}" type="datetime1">
               <a:rPr lang="fr-FR" smtClean="0"/>
-              <a:t>18/06/2022</a:t>
+              <a:t>19/06/2022</a:t>
             </a:fld>
             <a:endParaRPr lang="fr-BE"/>
           </a:p>
@@ -3734,12 +3741,12 @@
           <a:lstStyle/>
           <a:p>
             <a:r>
-              <a:rPr lang="en-US" sz="4800" dirty="0"/>
-              <a:t>Process: </a:t>
+              <a:rPr lang="en-US" sz="4800" dirty="0" err="1" smtClean="0"/>
+              <a:t>Analyse</a:t>
             </a:r>
             <a:r>
               <a:rPr lang="en-US" sz="4800" dirty="0" smtClean="0"/>
-              <a:t>Calculations (1)</a:t>
+              <a:t>: Calculations (1)</a:t>
             </a:r>
             <a:endParaRPr lang="fr-FR" sz="4800" dirty="0"/>
           </a:p>
@@ -3796,134 +3803,6 @@
           </a:p>
         </p:txBody>
       </p:sp>
-      <p:pic>
-        <p:nvPicPr>
-          <p:cNvPr id="4098" name="Picture 2"/>
-          <p:cNvPicPr>
-            <a:picLocks noChangeAspect="1" noChangeArrowheads="1"/>
-          </p:cNvPicPr>
-          <p:nvPr/>
-        </p:nvPicPr>
-        <p:blipFill>
-          <a:blip r:embed="rId2">
-            <a:extLst>
-              <a:ext uri="{28A0092B-C50C-407E-A947-70E740481C1C}">
-                <a14:useLocalDpi xmlns:a14="http://schemas.microsoft.com/office/drawing/2010/main" val="0"/>
-              </a:ext>
-            </a:extLst>
-          </a:blip>
-          <a:srcRect/>
-          <a:stretch>
-            <a:fillRect/>
-          </a:stretch>
-        </p:blipFill>
-        <p:spPr bwMode="auto">
-          <a:xfrm>
-            <a:off x="179512" y="2130121"/>
-            <a:ext cx="7932315" cy="2667031"/>
-          </a:xfrm>
-          <a:prstGeom prst="rect">
-            <a:avLst/>
-          </a:prstGeom>
-          <a:noFill/>
-          <a:ln>
-            <a:noFill/>
-          </a:ln>
-          <a:effectLst/>
-          <a:extLst>
-            <a:ext uri="{909E8E84-426E-40DD-AFC4-6F175D3DCCD1}">
-              <a14:hiddenFill xmlns:a14="http://schemas.microsoft.com/office/drawing/2010/main">
-                <a:solidFill>
-                  <a:schemeClr val="accent1"/>
-                </a:solidFill>
-              </a14:hiddenFill>
-            </a:ext>
-            <a:ext uri="{91240B29-F687-4F45-9708-019B960494DF}">
-              <a14:hiddenLine xmlns:a14="http://schemas.microsoft.com/office/drawing/2010/main" w="9525">
-                <a:solidFill>
-                  <a:schemeClr val="tx1"/>
-                </a:solidFill>
-                <a:miter lim="800000"/>
-                <a:headEnd/>
-                <a:tailEnd/>
-              </a14:hiddenLine>
-            </a:ext>
-            <a:ext uri="{AF507438-7753-43E0-B8FC-AC1667EBCBE1}">
-              <a14:hiddenEffects xmlns:a14="http://schemas.microsoft.com/office/drawing/2010/main">
-                <a:effectLst>
-                  <a:outerShdw dist="35921" dir="2700000" algn="ctr" rotWithShape="0">
-                    <a:schemeClr val="bg2"/>
-                  </a:outerShdw>
-                </a:effectLst>
-              </a14:hiddenEffects>
-            </a:ext>
-          </a:extLst>
-        </p:spPr>
-      </p:pic>
-      <p:pic>
-        <p:nvPicPr>
-          <p:cNvPr id="4099" name="Picture 3"/>
-          <p:cNvPicPr>
-            <a:picLocks noChangeAspect="1" noChangeArrowheads="1"/>
-          </p:cNvPicPr>
-          <p:nvPr/>
-        </p:nvPicPr>
-        <p:blipFill>
-          <a:blip r:embed="rId3">
-            <a:extLst>
-              <a:ext uri="{28A0092B-C50C-407E-A947-70E740481C1C}">
-                <a14:useLocalDpi xmlns:a14="http://schemas.microsoft.com/office/drawing/2010/main" val="0"/>
-              </a:ext>
-            </a:extLst>
-          </a:blip>
-          <a:srcRect/>
-          <a:stretch>
-            <a:fillRect/>
-          </a:stretch>
-        </p:blipFill>
-        <p:spPr bwMode="auto">
-          <a:xfrm>
-            <a:off x="2771800" y="3808065"/>
-            <a:ext cx="5647337" cy="2266206"/>
-          </a:xfrm>
-          <a:prstGeom prst="rect">
-            <a:avLst/>
-          </a:prstGeom>
-          <a:noFill/>
-          <a:ln>
-            <a:noFill/>
-          </a:ln>
-          <a:effectLst/>
-          <a:extLst>
-            <a:ext uri="{909E8E84-426E-40DD-AFC4-6F175D3DCCD1}">
-              <a14:hiddenFill xmlns:a14="http://schemas.microsoft.com/office/drawing/2010/main">
-                <a:solidFill>
-                  <a:schemeClr val="accent1"/>
-                </a:solidFill>
-              </a14:hiddenFill>
-            </a:ext>
-            <a:ext uri="{91240B29-F687-4F45-9708-019B960494DF}">
-              <a14:hiddenLine xmlns:a14="http://schemas.microsoft.com/office/drawing/2010/main" w="9525">
-                <a:solidFill>
-                  <a:schemeClr val="tx1"/>
-                </a:solidFill>
-                <a:miter lim="800000"/>
-                <a:headEnd/>
-                <a:tailEnd/>
-              </a14:hiddenLine>
-            </a:ext>
-            <a:ext uri="{AF507438-7753-43E0-B8FC-AC1667EBCBE1}">
-              <a14:hiddenEffects xmlns:a14="http://schemas.microsoft.com/office/drawing/2010/main">
-                <a:effectLst>
-                  <a:outerShdw dist="35921" dir="2700000" algn="ctr" rotWithShape="0">
-                    <a:schemeClr val="bg2"/>
-                  </a:outerShdw>
-                </a:effectLst>
-              </a14:hiddenEffects>
-            </a:ext>
-          </a:extLst>
-        </p:spPr>
-      </p:pic>
       <p:sp>
         <p:nvSpPr>
           <p:cNvPr id="5" name="Flèche courbée vers le haut 4"/>
@@ -3932,7 +3811,7 @@
         </p:nvSpPr>
         <p:spPr>
           <a:xfrm rot="3001855">
-            <a:off x="1300283" y="5121006"/>
+            <a:off x="1102629" y="5048999"/>
             <a:ext cx="1412497" cy="813143"/>
           </a:xfrm>
           <a:prstGeom prst="curvedUpArrow">
@@ -3968,6 +3847,134 @@
           </a:p>
         </p:txBody>
       </p:sp>
+      <p:pic>
+        <p:nvPicPr>
+          <p:cNvPr id="1026" name="Picture 2"/>
+          <p:cNvPicPr>
+            <a:picLocks noChangeAspect="1" noChangeArrowheads="1"/>
+          </p:cNvPicPr>
+          <p:nvPr/>
+        </p:nvPicPr>
+        <p:blipFill>
+          <a:blip r:embed="rId2">
+            <a:extLst>
+              <a:ext uri="{28A0092B-C50C-407E-A947-70E740481C1C}">
+                <a14:useLocalDpi xmlns:a14="http://schemas.microsoft.com/office/drawing/2010/main" val="0"/>
+              </a:ext>
+            </a:extLst>
+          </a:blip>
+          <a:srcRect/>
+          <a:stretch>
+            <a:fillRect/>
+          </a:stretch>
+        </p:blipFill>
+        <p:spPr bwMode="auto">
+          <a:xfrm>
+            <a:off x="683568" y="1571625"/>
+            <a:ext cx="7049988" cy="3153518"/>
+          </a:xfrm>
+          <a:prstGeom prst="rect">
+            <a:avLst/>
+          </a:prstGeom>
+          <a:noFill/>
+          <a:ln>
+            <a:noFill/>
+          </a:ln>
+          <a:effectLst/>
+          <a:extLst>
+            <a:ext uri="{909E8E84-426E-40DD-AFC4-6F175D3DCCD1}">
+              <a14:hiddenFill xmlns:a14="http://schemas.microsoft.com/office/drawing/2010/main">
+                <a:solidFill>
+                  <a:schemeClr val="accent1"/>
+                </a:solidFill>
+              </a14:hiddenFill>
+            </a:ext>
+            <a:ext uri="{91240B29-F687-4F45-9708-019B960494DF}">
+              <a14:hiddenLine xmlns:a14="http://schemas.microsoft.com/office/drawing/2010/main" w="9525">
+                <a:solidFill>
+                  <a:schemeClr val="tx1"/>
+                </a:solidFill>
+                <a:miter lim="800000"/>
+                <a:headEnd/>
+                <a:tailEnd/>
+              </a14:hiddenLine>
+            </a:ext>
+            <a:ext uri="{AF507438-7753-43E0-B8FC-AC1667EBCBE1}">
+              <a14:hiddenEffects xmlns:a14="http://schemas.microsoft.com/office/drawing/2010/main">
+                <a:effectLst>
+                  <a:outerShdw dist="35921" dir="2700000" algn="ctr" rotWithShape="0">
+                    <a:schemeClr val="bg2"/>
+                  </a:outerShdw>
+                </a:effectLst>
+              </a14:hiddenEffects>
+            </a:ext>
+          </a:extLst>
+        </p:spPr>
+      </p:pic>
+      <p:pic>
+        <p:nvPicPr>
+          <p:cNvPr id="1027" name="Picture 3"/>
+          <p:cNvPicPr>
+            <a:picLocks noChangeAspect="1" noChangeArrowheads="1"/>
+          </p:cNvPicPr>
+          <p:nvPr/>
+        </p:nvPicPr>
+        <p:blipFill>
+          <a:blip r:embed="rId3">
+            <a:extLst>
+              <a:ext uri="{28A0092B-C50C-407E-A947-70E740481C1C}">
+                <a14:useLocalDpi xmlns:a14="http://schemas.microsoft.com/office/drawing/2010/main" val="0"/>
+              </a:ext>
+            </a:extLst>
+          </a:blip>
+          <a:srcRect/>
+          <a:stretch>
+            <a:fillRect/>
+          </a:stretch>
+        </p:blipFill>
+        <p:spPr bwMode="auto">
+          <a:xfrm>
+            <a:off x="2483768" y="4149080"/>
+            <a:ext cx="5904656" cy="2274433"/>
+          </a:xfrm>
+          <a:prstGeom prst="rect">
+            <a:avLst/>
+          </a:prstGeom>
+          <a:noFill/>
+          <a:ln>
+            <a:noFill/>
+          </a:ln>
+          <a:effectLst/>
+          <a:extLst>
+            <a:ext uri="{909E8E84-426E-40DD-AFC4-6F175D3DCCD1}">
+              <a14:hiddenFill xmlns:a14="http://schemas.microsoft.com/office/drawing/2010/main">
+                <a:solidFill>
+                  <a:schemeClr val="accent1"/>
+                </a:solidFill>
+              </a14:hiddenFill>
+            </a:ext>
+            <a:ext uri="{91240B29-F687-4F45-9708-019B960494DF}">
+              <a14:hiddenLine xmlns:a14="http://schemas.microsoft.com/office/drawing/2010/main" w="9525">
+                <a:solidFill>
+                  <a:schemeClr val="tx1"/>
+                </a:solidFill>
+                <a:miter lim="800000"/>
+                <a:headEnd/>
+                <a:tailEnd/>
+              </a14:hiddenLine>
+            </a:ext>
+            <a:ext uri="{AF507438-7753-43E0-B8FC-AC1667EBCBE1}">
+              <a14:hiddenEffects xmlns:a14="http://schemas.microsoft.com/office/drawing/2010/main">
+                <a:effectLst>
+                  <a:outerShdw dist="35921" dir="2700000" algn="ctr" rotWithShape="0">
+                    <a:schemeClr val="bg2"/>
+                  </a:outerShdw>
+                </a:effectLst>
+              </a14:hiddenEffects>
+            </a:ext>
+          </a:extLst>
+        </p:spPr>
+      </p:pic>
     </p:spTree>
     <p:extLst>
       <p:ext uri="{BB962C8B-B14F-4D97-AF65-F5344CB8AC3E}">
@@ -4021,8 +4028,12 @@
           <a:lstStyle/>
           <a:p>
             <a:r>
+              <a:rPr lang="en-US" sz="4800" dirty="0" err="1" smtClean="0"/>
+              <a:t>Analyse</a:t>
+            </a:r>
+            <a:r>
               <a:rPr lang="en-US" sz="4800" dirty="0" smtClean="0"/>
-              <a:t>Process: Calculations (2)</a:t>
+              <a:t>: Calculations (2)</a:t>
             </a:r>
             <a:endParaRPr lang="fr-FR" dirty="0"/>
           </a:p>
@@ -4051,244 +4062,134 @@
           </a:p>
         </p:txBody>
       </p:sp>
-      <p:graphicFrame>
-        <p:nvGraphicFramePr>
-          <p:cNvPr id="7" name="Espace réservé du contenu 6"/>
-          <p:cNvGraphicFramePr>
-            <a:graphicFrameLocks noGrp="1"/>
-          </p:cNvGraphicFramePr>
-          <p:nvPr>
-            <p:ph idx="1"/>
-            <p:extLst>
-              <p:ext uri="{D42A27DB-BD31-4B8C-83A1-F6EECF244321}">
-                <p14:modId xmlns:p14="http://schemas.microsoft.com/office/powerpoint/2010/main" val="2565693074"/>
-              </p:ext>
-            </p:extLst>
-          </p:nvPr>
-        </p:nvGraphicFramePr>
-        <p:xfrm>
-          <a:off x="457200" y="1600200"/>
-          <a:ext cx="7620000" cy="2225040"/>
-        </p:xfrm>
-        <a:graphic>
-          <a:graphicData uri="http://schemas.openxmlformats.org/drawingml/2006/table">
-            <a:tbl>
-              <a:tblPr firstRow="1" bandRow="1">
-                <a:tableStyleId>{5C22544A-7EE6-4342-B048-85BDC9FD1C3A}</a:tableStyleId>
-              </a:tblPr>
-              <a:tblGrid>
-                <a:gridCol w="2540000"/>
-                <a:gridCol w="2540000"/>
-                <a:gridCol w="2540000"/>
-              </a:tblGrid>
-              <a:tr h="370840">
-                <a:tc>
-                  <a:txBody>
-                    <a:bodyPr/>
-                    <a:lstStyle/>
-                    <a:p>
-                      <a:r>
-                        <a:rPr lang="fr-FR" dirty="0" err="1" smtClean="0"/>
-                        <a:t>Measure</a:t>
-                      </a:r>
-                      <a:endParaRPr lang="fr-FR" dirty="0"/>
-                    </a:p>
-                  </a:txBody>
-                  <a:tcPr/>
-                </a:tc>
-                <a:tc>
-                  <a:txBody>
-                    <a:bodyPr/>
-                    <a:lstStyle/>
-                    <a:p>
-                      <a:r>
-                        <a:rPr lang="fr-FR" dirty="0" smtClean="0"/>
-                        <a:t>Code</a:t>
-                      </a:r>
-                      <a:endParaRPr lang="fr-FR" dirty="0"/>
-                    </a:p>
-                  </a:txBody>
-                  <a:tcPr/>
-                </a:tc>
-                <a:tc>
-                  <a:txBody>
-                    <a:bodyPr/>
-                    <a:lstStyle/>
-                    <a:p>
-                      <a:r>
-                        <a:rPr lang="fr-FR" dirty="0" smtClean="0"/>
-                        <a:t>Value</a:t>
-                      </a:r>
-                      <a:endParaRPr lang="fr-FR" dirty="0"/>
-                    </a:p>
-                  </a:txBody>
-                  <a:tcPr/>
-                </a:tc>
-              </a:tr>
-              <a:tr h="370840">
-                <a:tc>
-                  <a:txBody>
-                    <a:bodyPr/>
-                    <a:lstStyle/>
-                    <a:p>
-                      <a:endParaRPr lang="fr-FR"/>
-                    </a:p>
-                  </a:txBody>
-                  <a:tcPr/>
-                </a:tc>
-                <a:tc>
-                  <a:txBody>
-                    <a:bodyPr/>
-                    <a:lstStyle/>
-                    <a:p>
-                      <a:endParaRPr lang="fr-FR"/>
-                    </a:p>
-                  </a:txBody>
-                  <a:tcPr/>
-                </a:tc>
-                <a:tc>
-                  <a:txBody>
-                    <a:bodyPr/>
-                    <a:lstStyle/>
-                    <a:p>
-                      <a:endParaRPr lang="fr-FR"/>
-                    </a:p>
-                  </a:txBody>
-                  <a:tcPr/>
-                </a:tc>
-              </a:tr>
-              <a:tr h="370840">
-                <a:tc>
-                  <a:txBody>
-                    <a:bodyPr/>
-                    <a:lstStyle/>
-                    <a:p>
-                      <a:endParaRPr lang="fr-FR"/>
-                    </a:p>
-                  </a:txBody>
-                  <a:tcPr/>
-                </a:tc>
-                <a:tc>
-                  <a:txBody>
-                    <a:bodyPr/>
-                    <a:lstStyle/>
-                    <a:p>
-                      <a:endParaRPr lang="fr-FR"/>
-                    </a:p>
-                  </a:txBody>
-                  <a:tcPr/>
-                </a:tc>
-                <a:tc>
-                  <a:txBody>
-                    <a:bodyPr/>
-                    <a:lstStyle/>
-                    <a:p>
-                      <a:endParaRPr lang="fr-FR"/>
-                    </a:p>
-                  </a:txBody>
-                  <a:tcPr/>
-                </a:tc>
-              </a:tr>
-              <a:tr h="370840">
-                <a:tc>
-                  <a:txBody>
-                    <a:bodyPr/>
-                    <a:lstStyle/>
-                    <a:p>
-                      <a:endParaRPr lang="fr-FR"/>
-                    </a:p>
-                  </a:txBody>
-                  <a:tcPr/>
-                </a:tc>
-                <a:tc>
-                  <a:txBody>
-                    <a:bodyPr/>
-                    <a:lstStyle/>
-                    <a:p>
-                      <a:endParaRPr lang="fr-FR"/>
-                    </a:p>
-                  </a:txBody>
-                  <a:tcPr/>
-                </a:tc>
-                <a:tc>
-                  <a:txBody>
-                    <a:bodyPr/>
-                    <a:lstStyle/>
-                    <a:p>
-                      <a:endParaRPr lang="fr-FR"/>
-                    </a:p>
-                  </a:txBody>
-                  <a:tcPr/>
-                </a:tc>
-              </a:tr>
-              <a:tr h="370840">
-                <a:tc>
-                  <a:txBody>
-                    <a:bodyPr/>
-                    <a:lstStyle/>
-                    <a:p>
-                      <a:endParaRPr lang="fr-FR"/>
-                    </a:p>
-                  </a:txBody>
-                  <a:tcPr/>
-                </a:tc>
-                <a:tc>
-                  <a:txBody>
-                    <a:bodyPr/>
-                    <a:lstStyle/>
-                    <a:p>
-                      <a:endParaRPr lang="fr-FR"/>
-                    </a:p>
-                  </a:txBody>
-                  <a:tcPr/>
-                </a:tc>
-                <a:tc>
-                  <a:txBody>
-                    <a:bodyPr/>
-                    <a:lstStyle/>
-                    <a:p>
-                      <a:endParaRPr lang="fr-FR"/>
-                    </a:p>
-                  </a:txBody>
-                  <a:tcPr/>
-                </a:tc>
-              </a:tr>
-              <a:tr h="370840">
-                <a:tc>
-                  <a:txBody>
-                    <a:bodyPr/>
-                    <a:lstStyle/>
-                    <a:p>
-                      <a:endParaRPr lang="fr-FR"/>
-                    </a:p>
-                  </a:txBody>
-                  <a:tcPr/>
-                </a:tc>
-                <a:tc>
-                  <a:txBody>
-                    <a:bodyPr/>
-                    <a:lstStyle/>
-                    <a:p>
-                      <a:endParaRPr lang="fr-FR"/>
-                    </a:p>
-                  </a:txBody>
-                  <a:tcPr/>
-                </a:tc>
-                <a:tc>
-                  <a:txBody>
-                    <a:bodyPr/>
-                    <a:lstStyle/>
-                    <a:p>
-                      <a:endParaRPr lang="fr-FR"/>
-                    </a:p>
-                  </a:txBody>
-                  <a:tcPr/>
-                </a:tc>
-              </a:tr>
-            </a:tbl>
-          </a:graphicData>
-        </a:graphic>
-      </p:graphicFrame>
+      <p:pic>
+        <p:nvPicPr>
+          <p:cNvPr id="6" name="Picture 2"/>
+          <p:cNvPicPr>
+            <a:picLocks noChangeAspect="1" noChangeArrowheads="1"/>
+          </p:cNvPicPr>
+          <p:nvPr/>
+        </p:nvPicPr>
+        <p:blipFill>
+          <a:blip r:embed="rId2">
+            <a:extLst>
+              <a:ext uri="{28A0092B-C50C-407E-A947-70E740481C1C}">
+                <a14:useLocalDpi xmlns:a14="http://schemas.microsoft.com/office/drawing/2010/main" val="0"/>
+              </a:ext>
+            </a:extLst>
+          </a:blip>
+          <a:srcRect/>
+          <a:stretch>
+            <a:fillRect/>
+          </a:stretch>
+        </p:blipFill>
+        <p:spPr bwMode="auto">
+          <a:xfrm>
+            <a:off x="1187624" y="3861048"/>
+            <a:ext cx="5976664" cy="1986126"/>
+          </a:xfrm>
+          <a:prstGeom prst="rect">
+            <a:avLst/>
+          </a:prstGeom>
+          <a:noFill/>
+          <a:ln>
+            <a:noFill/>
+          </a:ln>
+          <a:effectLst/>
+          <a:extLst>
+            <a:ext uri="{909E8E84-426E-40DD-AFC4-6F175D3DCCD1}">
+              <a14:hiddenFill xmlns:a14="http://schemas.microsoft.com/office/drawing/2010/main">
+                <a:solidFill>
+                  <a:schemeClr val="accent1"/>
+                </a:solidFill>
+              </a14:hiddenFill>
+            </a:ext>
+            <a:ext uri="{91240B29-F687-4F45-9708-019B960494DF}">
+              <a14:hiddenLine xmlns:a14="http://schemas.microsoft.com/office/drawing/2010/main" w="9525">
+                <a:solidFill>
+                  <a:schemeClr val="tx1"/>
+                </a:solidFill>
+                <a:miter lim="800000"/>
+                <a:headEnd/>
+                <a:tailEnd/>
+              </a14:hiddenLine>
+            </a:ext>
+            <a:ext uri="{AF507438-7753-43E0-B8FC-AC1667EBCBE1}">
+              <a14:hiddenEffects xmlns:a14="http://schemas.microsoft.com/office/drawing/2010/main">
+                <a:effectLst>
+                  <a:outerShdw dist="35921" dir="2700000" algn="ctr" rotWithShape="0">
+                    <a:schemeClr val="bg2"/>
+                  </a:outerShdw>
+                </a:effectLst>
+              </a14:hiddenEffects>
+            </a:ext>
+          </a:extLst>
+        </p:spPr>
+      </p:pic>
+      <p:pic>
+        <p:nvPicPr>
+          <p:cNvPr id="8" name="Picture 3"/>
+          <p:cNvPicPr>
+            <a:picLocks noChangeAspect="1" noChangeArrowheads="1"/>
+          </p:cNvPicPr>
+          <p:nvPr/>
+        </p:nvPicPr>
+        <p:blipFill>
+          <a:blip r:embed="rId3">
+            <a:extLst>
+              <a:ext uri="{28A0092B-C50C-407E-A947-70E740481C1C}">
+                <a14:useLocalDpi xmlns:a14="http://schemas.microsoft.com/office/drawing/2010/main" val="0"/>
+              </a:ext>
+            </a:extLst>
+          </a:blip>
+          <a:srcRect/>
+          <a:stretch>
+            <a:fillRect/>
+          </a:stretch>
+        </p:blipFill>
+        <p:spPr bwMode="auto">
+          <a:xfrm>
+            <a:off x="1187624" y="1484784"/>
+            <a:ext cx="6048672" cy="2120284"/>
+          </a:xfrm>
+          <a:prstGeom prst="rect">
+            <a:avLst/>
+          </a:prstGeom>
+          <a:noFill/>
+          <a:ln>
+            <a:noFill/>
+          </a:ln>
+          <a:effectLst/>
+          <a:extLst>
+            <a:ext uri="{909E8E84-426E-40DD-AFC4-6F175D3DCCD1}">
+              <a14:hiddenFill xmlns:a14="http://schemas.microsoft.com/office/drawing/2010/main">
+                <a:solidFill>
+                  <a:schemeClr val="accent1"/>
+                </a:solidFill>
+              </a14:hiddenFill>
+            </a:ext>
+            <a:ext uri="{91240B29-F687-4F45-9708-019B960494DF}">
+              <a14:hiddenLine xmlns:a14="http://schemas.microsoft.com/office/drawing/2010/main" w="9525">
+                <a:solidFill>
+                  <a:schemeClr val="tx1"/>
+                </a:solidFill>
+                <a:miter lim="800000"/>
+                <a:headEnd/>
+                <a:tailEnd/>
+              </a14:hiddenLine>
+            </a:ext>
+            <a:ext uri="{AF507438-7753-43E0-B8FC-AC1667EBCBE1}">
+              <a14:hiddenEffects xmlns:a14="http://schemas.microsoft.com/office/drawing/2010/main">
+                <a:effectLst>
+                  <a:outerShdw dist="35921" dir="2700000" algn="ctr" rotWithShape="0">
+                    <a:schemeClr val="bg2"/>
+                  </a:outerShdw>
+                </a:effectLst>
+              </a14:hiddenEffects>
+            </a:ext>
+          </a:extLst>
+        </p:spPr>
+      </p:pic>
     </p:spTree>
     <p:extLst>
       <p:ext uri="{BB962C8B-B14F-4D97-AF65-F5344CB8AC3E}">
@@ -4341,26 +4242,23 @@
           <a:bodyPr/>
           <a:lstStyle/>
           <a:p>
-            <a:endParaRPr lang="fr-FR"/>
-          </a:p>
-        </p:txBody>
-      </p:sp>
-      <p:sp>
-        <p:nvSpPr>
-          <p:cNvPr id="3" name="Espace réservé du contenu 2"/>
-          <p:cNvSpPr>
-            <a:spLocks noGrp="1"/>
-          </p:cNvSpPr>
-          <p:nvPr>
-            <p:ph idx="1"/>
-          </p:nvPr>
-        </p:nvSpPr>
-        <p:spPr/>
-        <p:txBody>
-          <a:bodyPr/>
-          <a:lstStyle/>
-          <a:p>
-            <a:endParaRPr lang="fr-FR"/>
+            <a:r>
+              <a:rPr lang="en-US" sz="4400" dirty="0" err="1" smtClean="0"/>
+              <a:t>Analyse</a:t>
+            </a:r>
+            <a:r>
+              <a:rPr lang="en-US" sz="4400" dirty="0" smtClean="0"/>
+              <a:t>: </a:t>
+            </a:r>
+            <a:r>
+              <a:rPr lang="en-US" sz="4400" dirty="0"/>
+              <a:t>Calculations </a:t>
+            </a:r>
+            <a:r>
+              <a:rPr lang="en-US" sz="4400" dirty="0" smtClean="0"/>
+              <a:t>(3)</a:t>
+            </a:r>
+            <a:endParaRPr lang="fr-FR" dirty="0"/>
           </a:p>
         </p:txBody>
       </p:sp>
@@ -4387,6 +4285,134 @@
           </a:p>
         </p:txBody>
       </p:sp>
+      <p:pic>
+        <p:nvPicPr>
+          <p:cNvPr id="4098" name="Picture 2"/>
+          <p:cNvPicPr>
+            <a:picLocks noChangeAspect="1" noChangeArrowheads="1"/>
+          </p:cNvPicPr>
+          <p:nvPr/>
+        </p:nvPicPr>
+        <p:blipFill>
+          <a:blip r:embed="rId2">
+            <a:extLst>
+              <a:ext uri="{28A0092B-C50C-407E-A947-70E740481C1C}">
+                <a14:useLocalDpi xmlns:a14="http://schemas.microsoft.com/office/drawing/2010/main" val="0"/>
+              </a:ext>
+            </a:extLst>
+          </a:blip>
+          <a:srcRect/>
+          <a:stretch>
+            <a:fillRect/>
+          </a:stretch>
+        </p:blipFill>
+        <p:spPr bwMode="auto">
+          <a:xfrm>
+            <a:off x="323528" y="1340768"/>
+            <a:ext cx="5550768" cy="3796516"/>
+          </a:xfrm>
+          <a:prstGeom prst="rect">
+            <a:avLst/>
+          </a:prstGeom>
+          <a:noFill/>
+          <a:ln>
+            <a:noFill/>
+          </a:ln>
+          <a:effectLst/>
+          <a:extLst>
+            <a:ext uri="{909E8E84-426E-40DD-AFC4-6F175D3DCCD1}">
+              <a14:hiddenFill xmlns:a14="http://schemas.microsoft.com/office/drawing/2010/main">
+                <a:solidFill>
+                  <a:schemeClr val="accent1"/>
+                </a:solidFill>
+              </a14:hiddenFill>
+            </a:ext>
+            <a:ext uri="{91240B29-F687-4F45-9708-019B960494DF}">
+              <a14:hiddenLine xmlns:a14="http://schemas.microsoft.com/office/drawing/2010/main" w="9525">
+                <a:solidFill>
+                  <a:schemeClr val="tx1"/>
+                </a:solidFill>
+                <a:miter lim="800000"/>
+                <a:headEnd/>
+                <a:tailEnd/>
+              </a14:hiddenLine>
+            </a:ext>
+            <a:ext uri="{AF507438-7753-43E0-B8FC-AC1667EBCBE1}">
+              <a14:hiddenEffects xmlns:a14="http://schemas.microsoft.com/office/drawing/2010/main">
+                <a:effectLst>
+                  <a:outerShdw dist="35921" dir="2700000" algn="ctr" rotWithShape="0">
+                    <a:schemeClr val="bg2"/>
+                  </a:outerShdw>
+                </a:effectLst>
+              </a14:hiddenEffects>
+            </a:ext>
+          </a:extLst>
+        </p:spPr>
+      </p:pic>
+      <p:pic>
+        <p:nvPicPr>
+          <p:cNvPr id="7" name="Picture 2"/>
+          <p:cNvPicPr>
+            <a:picLocks noChangeAspect="1" noChangeArrowheads="1"/>
+          </p:cNvPicPr>
+          <p:nvPr/>
+        </p:nvPicPr>
+        <p:blipFill>
+          <a:blip r:embed="rId3">
+            <a:extLst>
+              <a:ext uri="{28A0092B-C50C-407E-A947-70E740481C1C}">
+                <a14:useLocalDpi xmlns:a14="http://schemas.microsoft.com/office/drawing/2010/main" val="0"/>
+              </a:ext>
+            </a:extLst>
+          </a:blip>
+          <a:srcRect/>
+          <a:stretch>
+            <a:fillRect/>
+          </a:stretch>
+        </p:blipFill>
+        <p:spPr bwMode="auto">
+          <a:xfrm>
+            <a:off x="2555776" y="3140968"/>
+            <a:ext cx="6096000" cy="2457450"/>
+          </a:xfrm>
+          <a:prstGeom prst="rect">
+            <a:avLst/>
+          </a:prstGeom>
+          <a:noFill/>
+          <a:ln>
+            <a:noFill/>
+          </a:ln>
+          <a:effectLst/>
+          <a:extLst>
+            <a:ext uri="{909E8E84-426E-40DD-AFC4-6F175D3DCCD1}">
+              <a14:hiddenFill xmlns:a14="http://schemas.microsoft.com/office/drawing/2010/main">
+                <a:solidFill>
+                  <a:schemeClr val="accent1"/>
+                </a:solidFill>
+              </a14:hiddenFill>
+            </a:ext>
+            <a:ext uri="{91240B29-F687-4F45-9708-019B960494DF}">
+              <a14:hiddenLine xmlns:a14="http://schemas.microsoft.com/office/drawing/2010/main" w="9525">
+                <a:solidFill>
+                  <a:schemeClr val="tx1"/>
+                </a:solidFill>
+                <a:miter lim="800000"/>
+                <a:headEnd/>
+                <a:tailEnd/>
+              </a14:hiddenLine>
+            </a:ext>
+            <a:ext uri="{AF507438-7753-43E0-B8FC-AC1667EBCBE1}">
+              <a14:hiddenEffects xmlns:a14="http://schemas.microsoft.com/office/drawing/2010/main">
+                <a:effectLst>
+                  <a:outerShdw dist="35921" dir="2700000" algn="ctr" rotWithShape="0">
+                    <a:schemeClr val="bg2"/>
+                  </a:outerShdw>
+                </a:effectLst>
+              </a14:hiddenEffects>
+            </a:ext>
+          </a:extLst>
+        </p:spPr>
+      </p:pic>
     </p:spTree>
     <p:extLst>
       <p:ext uri="{BB962C8B-B14F-4D97-AF65-F5344CB8AC3E}">
@@ -4439,7 +4465,11 @@
           <a:bodyPr/>
           <a:lstStyle/>
           <a:p>
-            <a:endParaRPr lang="fr-FR"/>
+            <a:r>
+              <a:rPr lang="en-GB" sz="3200" dirty="0" smtClean="0"/>
+              <a:t>Analyse: Identify trends and relationships</a:t>
+            </a:r>
+            <a:endParaRPr lang="en-GB" sz="3200" dirty="0"/>
           </a:p>
         </p:txBody>
       </p:sp>
@@ -4458,7 +4488,64 @@
           <a:bodyPr/>
           <a:lstStyle/>
           <a:p>
-            <a:endParaRPr lang="fr-FR"/>
+            <a:pPr>
+              <a:lnSpc>
+                <a:spcPct val="250000"/>
+              </a:lnSpc>
+            </a:pPr>
+            <a:r>
+              <a:rPr lang="en-GB" dirty="0"/>
+              <a:t>Although that the  number of rides executed by the </a:t>
+            </a:r>
+            <a:r>
+              <a:rPr lang="en-GB" dirty="0" smtClean="0"/>
+              <a:t>subscribed </a:t>
+            </a:r>
+            <a:r>
+              <a:rPr lang="en-GB" dirty="0"/>
+              <a:t>members is higher</a:t>
+            </a:r>
+            <a:r>
+              <a:rPr lang="en-GB" dirty="0" smtClean="0"/>
+              <a:t>, the rides of  </a:t>
+            </a:r>
+            <a:r>
+              <a:rPr lang="en-GB" dirty="0"/>
+              <a:t>casual </a:t>
+            </a:r>
+            <a:r>
+              <a:rPr lang="en-GB" dirty="0" smtClean="0"/>
+              <a:t>members is 3,5 </a:t>
+            </a:r>
+            <a:r>
+              <a:rPr lang="en-GB" dirty="0"/>
+              <a:t>longer </a:t>
+            </a:r>
+            <a:r>
+              <a:rPr lang="en-GB" dirty="0" smtClean="0"/>
+              <a:t>(sightseeing </a:t>
+            </a:r>
+            <a:r>
+              <a:rPr lang="en-GB" dirty="0" err="1" smtClean="0"/>
+              <a:t>vs</a:t>
+            </a:r>
+            <a:r>
+              <a:rPr lang="en-GB" dirty="0" smtClean="0"/>
+              <a:t> regular trip from an to work/ school)</a:t>
+            </a:r>
+            <a:endParaRPr lang="en-GB" dirty="0"/>
+          </a:p>
+          <a:p>
+            <a:pPr>
+              <a:lnSpc>
+                <a:spcPct val="250000"/>
+              </a:lnSpc>
+            </a:pPr>
+            <a:r>
+              <a:rPr lang="en-GB" dirty="0" smtClean="0"/>
+              <a:t>Except for Tuesday, the rides number increases on both Friday and Saturday and decline dramatically on Sunday</a:t>
+            </a:r>
+            <a:endParaRPr lang="en-GB" dirty="0"/>
           </a:p>
         </p:txBody>
       </p:sp>
@@ -4537,7 +4624,11 @@
           <a:bodyPr/>
           <a:lstStyle/>
           <a:p>
-            <a:endParaRPr lang="fr-FR"/>
+            <a:r>
+              <a:rPr lang="en-GB" dirty="0" smtClean="0"/>
+              <a:t>Share: Data visualisation</a:t>
+            </a:r>
+            <a:endParaRPr lang="en-GB" dirty="0"/>
           </a:p>
         </p:txBody>
       </p:sp>
@@ -4556,7 +4647,7 @@
           <a:bodyPr/>
           <a:lstStyle/>
           <a:p>
-            <a:endParaRPr lang="fr-FR"/>
+            <a:endParaRPr lang="fr-FR" dirty="0"/>
           </a:p>
         </p:txBody>
       </p:sp>
@@ -4583,6 +4674,70 @@
           </a:p>
         </p:txBody>
       </p:sp>
+      <p:pic>
+        <p:nvPicPr>
+          <p:cNvPr id="5123" name="Picture 3"/>
+          <p:cNvPicPr>
+            <a:picLocks noChangeAspect="1" noChangeArrowheads="1"/>
+          </p:cNvPicPr>
+          <p:nvPr/>
+        </p:nvPicPr>
+        <p:blipFill>
+          <a:blip r:embed="rId2">
+            <a:extLst>
+              <a:ext uri="{28A0092B-C50C-407E-A947-70E740481C1C}">
+                <a14:useLocalDpi xmlns:a14="http://schemas.microsoft.com/office/drawing/2010/main" val="0"/>
+              </a:ext>
+            </a:extLst>
+          </a:blip>
+          <a:srcRect/>
+          <a:stretch>
+            <a:fillRect/>
+          </a:stretch>
+        </p:blipFill>
+        <p:spPr bwMode="auto">
+          <a:xfrm>
+            <a:off x="1043608" y="1124744"/>
+            <a:ext cx="6280036" cy="5546601"/>
+          </a:xfrm>
+          <a:prstGeom prst="rect">
+            <a:avLst/>
+          </a:prstGeom>
+          <a:noFill/>
+          <a:ln>
+            <a:noFill/>
+          </a:ln>
+          <a:effectLst/>
+          <a:extLst>
+            <a:ext uri="{909E8E84-426E-40DD-AFC4-6F175D3DCCD1}">
+              <a14:hiddenFill xmlns:a14="http://schemas.microsoft.com/office/drawing/2010/main">
+                <a:solidFill>
+                  <a:schemeClr val="accent1"/>
+                </a:solidFill>
+              </a14:hiddenFill>
+            </a:ext>
+            <a:ext uri="{91240B29-F687-4F45-9708-019B960494DF}">
+              <a14:hiddenLine xmlns:a14="http://schemas.microsoft.com/office/drawing/2010/main" w="9525">
+                <a:solidFill>
+                  <a:schemeClr val="tx1"/>
+                </a:solidFill>
+                <a:miter lim="800000"/>
+                <a:headEnd/>
+                <a:tailEnd/>
+              </a14:hiddenLine>
+            </a:ext>
+            <a:ext uri="{AF507438-7753-43E0-B8FC-AC1667EBCBE1}">
+              <a14:hiddenEffects xmlns:a14="http://schemas.microsoft.com/office/drawing/2010/main">
+                <a:effectLst>
+                  <a:outerShdw dist="35921" dir="2700000" algn="ctr" rotWithShape="0">
+                    <a:schemeClr val="bg2"/>
+                  </a:outerShdw>
+                </a:effectLst>
+              </a14:hiddenEffects>
+            </a:ext>
+          </a:extLst>
+        </p:spPr>
+      </p:pic>
     </p:spTree>
     <p:extLst>
       <p:ext uri="{BB962C8B-B14F-4D97-AF65-F5344CB8AC3E}">
@@ -4603,6 +4758,770 @@
 </p:sld>
 </file>
 
+<file path=ppt/slides/slide15.xml><?xml version="1.0" encoding="utf-8"?>
+<p:sld xmlns:a="http://schemas.openxmlformats.org/drawingml/2006/main" xmlns:r="http://schemas.openxmlformats.org/officeDocument/2006/relationships" xmlns:p="http://schemas.openxmlformats.org/presentationml/2006/main">
+  <p:cSld>
+    <p:spTree>
+      <p:nvGrpSpPr>
+        <p:cNvPr id="1" name=""/>
+        <p:cNvGrpSpPr/>
+        <p:nvPr/>
+      </p:nvGrpSpPr>
+      <p:grpSpPr>
+        <a:xfrm>
+          <a:off x="0" y="0"/>
+          <a:ext cx="0" cy="0"/>
+          <a:chOff x="0" y="0"/>
+          <a:chExt cx="0" cy="0"/>
+        </a:xfrm>
+      </p:grpSpPr>
+      <p:sp>
+        <p:nvSpPr>
+          <p:cNvPr id="2" name="Titre 1"/>
+          <p:cNvSpPr>
+            <a:spLocks noGrp="1"/>
+          </p:cNvSpPr>
+          <p:nvPr>
+            <p:ph type="title"/>
+          </p:nvPr>
+        </p:nvSpPr>
+        <p:spPr/>
+        <p:txBody>
+          <a:bodyPr/>
+          <a:lstStyle/>
+          <a:p>
+            <a:endParaRPr lang="fr-FR"/>
+          </a:p>
+        </p:txBody>
+      </p:sp>
+      <p:sp>
+        <p:nvSpPr>
+          <p:cNvPr id="3" name="Espace réservé du contenu 2"/>
+          <p:cNvSpPr>
+            <a:spLocks noGrp="1"/>
+          </p:cNvSpPr>
+          <p:nvPr>
+            <p:ph idx="1"/>
+          </p:nvPr>
+        </p:nvSpPr>
+        <p:spPr/>
+        <p:txBody>
+          <a:bodyPr/>
+          <a:lstStyle/>
+          <a:p>
+            <a:endParaRPr lang="fr-FR"/>
+          </a:p>
+        </p:txBody>
+      </p:sp>
+      <p:sp>
+        <p:nvSpPr>
+          <p:cNvPr id="4" name="Espace réservé du numéro de diapositive 3"/>
+          <p:cNvSpPr>
+            <a:spLocks noGrp="1"/>
+          </p:cNvSpPr>
+          <p:nvPr>
+            <p:ph type="sldNum" sz="quarter" idx="12"/>
+          </p:nvPr>
+        </p:nvSpPr>
+        <p:spPr/>
+        <p:txBody>
+          <a:bodyPr/>
+          <a:lstStyle/>
+          <a:p>
+            <a:fld id="{CF4668DC-857F-487D-BFFA-8C0CA5037977}" type="slidenum">
+              <a:rPr lang="fr-BE" smtClean="0"/>
+              <a:t>15</a:t>
+            </a:fld>
+            <a:endParaRPr lang="fr-BE"/>
+          </a:p>
+        </p:txBody>
+      </p:sp>
+      <p:pic>
+        <p:nvPicPr>
+          <p:cNvPr id="6146" name="Picture 2"/>
+          <p:cNvPicPr>
+            <a:picLocks noChangeAspect="1" noChangeArrowheads="1"/>
+          </p:cNvPicPr>
+          <p:nvPr/>
+        </p:nvPicPr>
+        <p:blipFill>
+          <a:blip r:embed="rId2">
+            <a:extLst>
+              <a:ext uri="{28A0092B-C50C-407E-A947-70E740481C1C}">
+                <a14:useLocalDpi xmlns:a14="http://schemas.microsoft.com/office/drawing/2010/main" val="0"/>
+              </a:ext>
+            </a:extLst>
+          </a:blip>
+          <a:srcRect/>
+          <a:stretch>
+            <a:fillRect/>
+          </a:stretch>
+        </p:blipFill>
+        <p:spPr bwMode="auto">
+          <a:xfrm>
+            <a:off x="0" y="404664"/>
+            <a:ext cx="8460432" cy="5976664"/>
+          </a:xfrm>
+          <a:prstGeom prst="rect">
+            <a:avLst/>
+          </a:prstGeom>
+          <a:noFill/>
+          <a:ln>
+            <a:noFill/>
+          </a:ln>
+          <a:effectLst/>
+          <a:extLst>
+            <a:ext uri="{909E8E84-426E-40DD-AFC4-6F175D3DCCD1}">
+              <a14:hiddenFill xmlns:a14="http://schemas.microsoft.com/office/drawing/2010/main">
+                <a:solidFill>
+                  <a:schemeClr val="accent1"/>
+                </a:solidFill>
+              </a14:hiddenFill>
+            </a:ext>
+            <a:ext uri="{91240B29-F687-4F45-9708-019B960494DF}">
+              <a14:hiddenLine xmlns:a14="http://schemas.microsoft.com/office/drawing/2010/main" w="9525">
+                <a:solidFill>
+                  <a:schemeClr val="tx1"/>
+                </a:solidFill>
+                <a:miter lim="800000"/>
+                <a:headEnd/>
+                <a:tailEnd/>
+              </a14:hiddenLine>
+            </a:ext>
+            <a:ext uri="{AF507438-7753-43E0-B8FC-AC1667EBCBE1}">
+              <a14:hiddenEffects xmlns:a14="http://schemas.microsoft.com/office/drawing/2010/main">
+                <a:effectLst>
+                  <a:outerShdw dist="35921" dir="2700000" algn="ctr" rotWithShape="0">
+                    <a:schemeClr val="bg2"/>
+                  </a:outerShdw>
+                </a:effectLst>
+              </a14:hiddenEffects>
+            </a:ext>
+          </a:extLst>
+        </p:spPr>
+      </p:pic>
+    </p:spTree>
+    <p:extLst>
+      <p:ext uri="{BB962C8B-B14F-4D97-AF65-F5344CB8AC3E}">
+        <p14:creationId xmlns:p14="http://schemas.microsoft.com/office/powerpoint/2010/main" val="3319169278"/>
+      </p:ext>
+    </p:extLst>
+  </p:cSld>
+  <p:clrMapOvr>
+    <a:masterClrMapping/>
+  </p:clrMapOvr>
+</p:sld>
+</file>
+
+<file path=ppt/slides/slide16.xml><?xml version="1.0" encoding="utf-8"?>
+<p:sld xmlns:a="http://schemas.openxmlformats.org/drawingml/2006/main" xmlns:r="http://schemas.openxmlformats.org/officeDocument/2006/relationships" xmlns:p="http://schemas.openxmlformats.org/presentationml/2006/main">
+  <p:cSld>
+    <p:spTree>
+      <p:nvGrpSpPr>
+        <p:cNvPr id="1" name=""/>
+        <p:cNvGrpSpPr/>
+        <p:nvPr/>
+      </p:nvGrpSpPr>
+      <p:grpSpPr>
+        <a:xfrm>
+          <a:off x="0" y="0"/>
+          <a:ext cx="0" cy="0"/>
+          <a:chOff x="0" y="0"/>
+          <a:chExt cx="0" cy="0"/>
+        </a:xfrm>
+      </p:grpSpPr>
+      <p:sp>
+        <p:nvSpPr>
+          <p:cNvPr id="2" name="Titre 1"/>
+          <p:cNvSpPr>
+            <a:spLocks noGrp="1"/>
+          </p:cNvSpPr>
+          <p:nvPr>
+            <p:ph type="title"/>
+          </p:nvPr>
+        </p:nvSpPr>
+        <p:spPr/>
+        <p:txBody>
+          <a:bodyPr/>
+          <a:lstStyle/>
+          <a:p>
+            <a:endParaRPr lang="fr-FR"/>
+          </a:p>
+        </p:txBody>
+      </p:sp>
+      <p:sp>
+        <p:nvSpPr>
+          <p:cNvPr id="3" name="Espace réservé du contenu 2"/>
+          <p:cNvSpPr>
+            <a:spLocks noGrp="1"/>
+          </p:cNvSpPr>
+          <p:nvPr>
+            <p:ph idx="1"/>
+          </p:nvPr>
+        </p:nvSpPr>
+        <p:spPr/>
+        <p:txBody>
+          <a:bodyPr/>
+          <a:lstStyle/>
+          <a:p>
+            <a:endParaRPr lang="fr-FR"/>
+          </a:p>
+        </p:txBody>
+      </p:sp>
+      <p:sp>
+        <p:nvSpPr>
+          <p:cNvPr id="4" name="Espace réservé du numéro de diapositive 3"/>
+          <p:cNvSpPr>
+            <a:spLocks noGrp="1"/>
+          </p:cNvSpPr>
+          <p:nvPr>
+            <p:ph type="sldNum" sz="quarter" idx="12"/>
+          </p:nvPr>
+        </p:nvSpPr>
+        <p:spPr/>
+        <p:txBody>
+          <a:bodyPr/>
+          <a:lstStyle/>
+          <a:p>
+            <a:fld id="{CF4668DC-857F-487D-BFFA-8C0CA5037977}" type="slidenum">
+              <a:rPr lang="fr-BE" smtClean="0"/>
+              <a:t>16</a:t>
+            </a:fld>
+            <a:endParaRPr lang="fr-BE"/>
+          </a:p>
+        </p:txBody>
+      </p:sp>
+      <p:pic>
+        <p:nvPicPr>
+          <p:cNvPr id="1027" name="Picture 3"/>
+          <p:cNvPicPr>
+            <a:picLocks noChangeAspect="1" noChangeArrowheads="1"/>
+          </p:cNvPicPr>
+          <p:nvPr/>
+        </p:nvPicPr>
+        <p:blipFill>
+          <a:blip r:embed="rId2">
+            <a:extLst>
+              <a:ext uri="{28A0092B-C50C-407E-A947-70E740481C1C}">
+                <a14:useLocalDpi xmlns:a14="http://schemas.microsoft.com/office/drawing/2010/main" val="0"/>
+              </a:ext>
+            </a:extLst>
+          </a:blip>
+          <a:srcRect/>
+          <a:stretch>
+            <a:fillRect/>
+          </a:stretch>
+        </p:blipFill>
+        <p:spPr bwMode="auto">
+          <a:xfrm>
+            <a:off x="-36512" y="1124882"/>
+            <a:ext cx="8423555" cy="4392350"/>
+          </a:xfrm>
+          <a:prstGeom prst="rect">
+            <a:avLst/>
+          </a:prstGeom>
+          <a:noFill/>
+          <a:ln>
+            <a:noFill/>
+          </a:ln>
+          <a:effectLst/>
+          <a:extLst>
+            <a:ext uri="{909E8E84-426E-40DD-AFC4-6F175D3DCCD1}">
+              <a14:hiddenFill xmlns:a14="http://schemas.microsoft.com/office/drawing/2010/main">
+                <a:solidFill>
+                  <a:schemeClr val="accent1"/>
+                </a:solidFill>
+              </a14:hiddenFill>
+            </a:ext>
+            <a:ext uri="{91240B29-F687-4F45-9708-019B960494DF}">
+              <a14:hiddenLine xmlns:a14="http://schemas.microsoft.com/office/drawing/2010/main" w="9525">
+                <a:solidFill>
+                  <a:schemeClr val="tx1"/>
+                </a:solidFill>
+                <a:miter lim="800000"/>
+                <a:headEnd/>
+                <a:tailEnd/>
+              </a14:hiddenLine>
+            </a:ext>
+            <a:ext uri="{AF507438-7753-43E0-B8FC-AC1667EBCBE1}">
+              <a14:hiddenEffects xmlns:a14="http://schemas.microsoft.com/office/drawing/2010/main">
+                <a:effectLst>
+                  <a:outerShdw dist="35921" dir="2700000" algn="ctr" rotWithShape="0">
+                    <a:schemeClr val="bg2"/>
+                  </a:outerShdw>
+                </a:effectLst>
+              </a14:hiddenEffects>
+            </a:ext>
+          </a:extLst>
+        </p:spPr>
+      </p:pic>
+    </p:spTree>
+    <p:extLst>
+      <p:ext uri="{BB962C8B-B14F-4D97-AF65-F5344CB8AC3E}">
+        <p14:creationId xmlns:p14="http://schemas.microsoft.com/office/powerpoint/2010/main" val="2038680971"/>
+      </p:ext>
+    </p:extLst>
+  </p:cSld>
+  <p:clrMapOvr>
+    <a:masterClrMapping/>
+  </p:clrMapOvr>
+</p:sld>
+</file>
+
+<file path=ppt/slides/slide17.xml><?xml version="1.0" encoding="utf-8"?>
+<p:sld xmlns:a="http://schemas.openxmlformats.org/drawingml/2006/main" xmlns:r="http://schemas.openxmlformats.org/officeDocument/2006/relationships" xmlns:p="http://schemas.openxmlformats.org/presentationml/2006/main">
+  <p:cSld>
+    <p:spTree>
+      <p:nvGrpSpPr>
+        <p:cNvPr id="1" name=""/>
+        <p:cNvGrpSpPr/>
+        <p:nvPr/>
+      </p:nvGrpSpPr>
+      <p:grpSpPr>
+        <a:xfrm>
+          <a:off x="0" y="0"/>
+          <a:ext cx="0" cy="0"/>
+          <a:chOff x="0" y="0"/>
+          <a:chExt cx="0" cy="0"/>
+        </a:xfrm>
+      </p:grpSpPr>
+      <p:sp>
+        <p:nvSpPr>
+          <p:cNvPr id="2" name="Titre 1"/>
+          <p:cNvSpPr>
+            <a:spLocks noGrp="1"/>
+          </p:cNvSpPr>
+          <p:nvPr>
+            <p:ph type="title"/>
+          </p:nvPr>
+        </p:nvSpPr>
+        <p:spPr/>
+        <p:txBody>
+          <a:bodyPr/>
+          <a:lstStyle/>
+          <a:p>
+            <a:endParaRPr lang="fr-FR"/>
+          </a:p>
+        </p:txBody>
+      </p:sp>
+      <p:sp>
+        <p:nvSpPr>
+          <p:cNvPr id="3" name="Espace réservé du contenu 2"/>
+          <p:cNvSpPr>
+            <a:spLocks noGrp="1"/>
+          </p:cNvSpPr>
+          <p:nvPr>
+            <p:ph idx="1"/>
+          </p:nvPr>
+        </p:nvSpPr>
+        <p:spPr/>
+        <p:txBody>
+          <a:bodyPr/>
+          <a:lstStyle/>
+          <a:p>
+            <a:endParaRPr lang="fr-FR"/>
+          </a:p>
+        </p:txBody>
+      </p:sp>
+      <p:sp>
+        <p:nvSpPr>
+          <p:cNvPr id="4" name="Espace réservé du numéro de diapositive 3"/>
+          <p:cNvSpPr>
+            <a:spLocks noGrp="1"/>
+          </p:cNvSpPr>
+          <p:nvPr>
+            <p:ph type="sldNum" sz="quarter" idx="12"/>
+          </p:nvPr>
+        </p:nvSpPr>
+        <p:spPr/>
+        <p:txBody>
+          <a:bodyPr/>
+          <a:lstStyle/>
+          <a:p>
+            <a:fld id="{CF4668DC-857F-487D-BFFA-8C0CA5037977}" type="slidenum">
+              <a:rPr lang="fr-BE" smtClean="0"/>
+              <a:t>17</a:t>
+            </a:fld>
+            <a:endParaRPr lang="fr-BE"/>
+          </a:p>
+        </p:txBody>
+      </p:sp>
+      <p:pic>
+        <p:nvPicPr>
+          <p:cNvPr id="2050" name="Picture 2"/>
+          <p:cNvPicPr>
+            <a:picLocks noChangeAspect="1" noChangeArrowheads="1"/>
+          </p:cNvPicPr>
+          <p:nvPr/>
+        </p:nvPicPr>
+        <p:blipFill>
+          <a:blip r:embed="rId2">
+            <a:extLst>
+              <a:ext uri="{28A0092B-C50C-407E-A947-70E740481C1C}">
+                <a14:useLocalDpi xmlns:a14="http://schemas.microsoft.com/office/drawing/2010/main" val="0"/>
+              </a:ext>
+            </a:extLst>
+          </a:blip>
+          <a:srcRect/>
+          <a:stretch>
+            <a:fillRect/>
+          </a:stretch>
+        </p:blipFill>
+        <p:spPr bwMode="auto">
+          <a:xfrm>
+            <a:off x="11535" y="1340768"/>
+            <a:ext cx="8280192" cy="4424908"/>
+          </a:xfrm>
+          <a:prstGeom prst="rect">
+            <a:avLst/>
+          </a:prstGeom>
+          <a:noFill/>
+          <a:ln>
+            <a:noFill/>
+          </a:ln>
+          <a:effectLst/>
+          <a:extLst>
+            <a:ext uri="{909E8E84-426E-40DD-AFC4-6F175D3DCCD1}">
+              <a14:hiddenFill xmlns:a14="http://schemas.microsoft.com/office/drawing/2010/main">
+                <a:solidFill>
+                  <a:schemeClr val="accent1"/>
+                </a:solidFill>
+              </a14:hiddenFill>
+            </a:ext>
+            <a:ext uri="{91240B29-F687-4F45-9708-019B960494DF}">
+              <a14:hiddenLine xmlns:a14="http://schemas.microsoft.com/office/drawing/2010/main" w="9525">
+                <a:solidFill>
+                  <a:schemeClr val="tx1"/>
+                </a:solidFill>
+                <a:miter lim="800000"/>
+                <a:headEnd/>
+                <a:tailEnd/>
+              </a14:hiddenLine>
+            </a:ext>
+            <a:ext uri="{AF507438-7753-43E0-B8FC-AC1667EBCBE1}">
+              <a14:hiddenEffects xmlns:a14="http://schemas.microsoft.com/office/drawing/2010/main">
+                <a:effectLst>
+                  <a:outerShdw dist="35921" dir="2700000" algn="ctr" rotWithShape="0">
+                    <a:schemeClr val="bg2"/>
+                  </a:outerShdw>
+                </a:effectLst>
+              </a14:hiddenEffects>
+            </a:ext>
+          </a:extLst>
+        </p:spPr>
+      </p:pic>
+    </p:spTree>
+    <p:extLst>
+      <p:ext uri="{BB962C8B-B14F-4D97-AF65-F5344CB8AC3E}">
+        <p14:creationId xmlns:p14="http://schemas.microsoft.com/office/powerpoint/2010/main" val="2518281723"/>
+      </p:ext>
+    </p:extLst>
+  </p:cSld>
+  <p:clrMapOvr>
+    <a:masterClrMapping/>
+  </p:clrMapOvr>
+</p:sld>
+</file>
+
+<file path=ppt/slides/slide18.xml><?xml version="1.0" encoding="utf-8"?>
+<p:sld xmlns:a="http://schemas.openxmlformats.org/drawingml/2006/main" xmlns:r="http://schemas.openxmlformats.org/officeDocument/2006/relationships" xmlns:p="http://schemas.openxmlformats.org/presentationml/2006/main">
+  <p:cSld>
+    <p:spTree>
+      <p:nvGrpSpPr>
+        <p:cNvPr id="1" name=""/>
+        <p:cNvGrpSpPr/>
+        <p:nvPr/>
+      </p:nvGrpSpPr>
+      <p:grpSpPr>
+        <a:xfrm>
+          <a:off x="0" y="0"/>
+          <a:ext cx="0" cy="0"/>
+          <a:chOff x="0" y="0"/>
+          <a:chExt cx="0" cy="0"/>
+        </a:xfrm>
+      </p:grpSpPr>
+      <p:sp>
+        <p:nvSpPr>
+          <p:cNvPr id="2" name="Titre 1"/>
+          <p:cNvSpPr>
+            <a:spLocks noGrp="1"/>
+          </p:cNvSpPr>
+          <p:nvPr>
+            <p:ph type="title"/>
+          </p:nvPr>
+        </p:nvSpPr>
+        <p:spPr/>
+        <p:txBody>
+          <a:bodyPr/>
+          <a:lstStyle/>
+          <a:p>
+            <a:endParaRPr lang="fr-FR"/>
+          </a:p>
+        </p:txBody>
+      </p:sp>
+      <p:sp>
+        <p:nvSpPr>
+          <p:cNvPr id="3" name="Espace réservé du contenu 2"/>
+          <p:cNvSpPr>
+            <a:spLocks noGrp="1"/>
+          </p:cNvSpPr>
+          <p:nvPr>
+            <p:ph idx="1"/>
+          </p:nvPr>
+        </p:nvSpPr>
+        <p:spPr/>
+        <p:txBody>
+          <a:bodyPr/>
+          <a:lstStyle/>
+          <a:p>
+            <a:endParaRPr lang="fr-FR"/>
+          </a:p>
+        </p:txBody>
+      </p:sp>
+      <p:sp>
+        <p:nvSpPr>
+          <p:cNvPr id="4" name="Espace réservé du numéro de diapositive 3"/>
+          <p:cNvSpPr>
+            <a:spLocks noGrp="1"/>
+          </p:cNvSpPr>
+          <p:nvPr>
+            <p:ph type="sldNum" sz="quarter" idx="12"/>
+          </p:nvPr>
+        </p:nvSpPr>
+        <p:spPr/>
+        <p:txBody>
+          <a:bodyPr/>
+          <a:lstStyle/>
+          <a:p>
+            <a:fld id="{CF4668DC-857F-487D-BFFA-8C0CA5037977}" type="slidenum">
+              <a:rPr lang="fr-BE" smtClean="0"/>
+              <a:t>18</a:t>
+            </a:fld>
+            <a:endParaRPr lang="fr-BE"/>
+          </a:p>
+        </p:txBody>
+      </p:sp>
+      <p:pic>
+        <p:nvPicPr>
+          <p:cNvPr id="3074" name="Picture 2"/>
+          <p:cNvPicPr>
+            <a:picLocks noChangeAspect="1" noChangeArrowheads="1"/>
+          </p:cNvPicPr>
+          <p:nvPr/>
+        </p:nvPicPr>
+        <p:blipFill>
+          <a:blip r:embed="rId2">
+            <a:extLst>
+              <a:ext uri="{28A0092B-C50C-407E-A947-70E740481C1C}">
+                <a14:useLocalDpi xmlns:a14="http://schemas.microsoft.com/office/drawing/2010/main" val="0"/>
+              </a:ext>
+            </a:extLst>
+          </a:blip>
+          <a:srcRect/>
+          <a:stretch>
+            <a:fillRect/>
+          </a:stretch>
+        </p:blipFill>
+        <p:spPr bwMode="auto">
+          <a:xfrm>
+            <a:off x="251520" y="1134740"/>
+            <a:ext cx="8067608" cy="4814540"/>
+          </a:xfrm>
+          <a:prstGeom prst="rect">
+            <a:avLst/>
+          </a:prstGeom>
+          <a:noFill/>
+          <a:ln>
+            <a:noFill/>
+          </a:ln>
+          <a:effectLst/>
+          <a:extLst>
+            <a:ext uri="{909E8E84-426E-40DD-AFC4-6F175D3DCCD1}">
+              <a14:hiddenFill xmlns:a14="http://schemas.microsoft.com/office/drawing/2010/main">
+                <a:solidFill>
+                  <a:schemeClr val="accent1"/>
+                </a:solidFill>
+              </a14:hiddenFill>
+            </a:ext>
+            <a:ext uri="{91240B29-F687-4F45-9708-019B960494DF}">
+              <a14:hiddenLine xmlns:a14="http://schemas.microsoft.com/office/drawing/2010/main" w="9525">
+                <a:solidFill>
+                  <a:schemeClr val="tx1"/>
+                </a:solidFill>
+                <a:miter lim="800000"/>
+                <a:headEnd/>
+                <a:tailEnd/>
+              </a14:hiddenLine>
+            </a:ext>
+            <a:ext uri="{AF507438-7753-43E0-B8FC-AC1667EBCBE1}">
+              <a14:hiddenEffects xmlns:a14="http://schemas.microsoft.com/office/drawing/2010/main">
+                <a:effectLst>
+                  <a:outerShdw dist="35921" dir="2700000" algn="ctr" rotWithShape="0">
+                    <a:schemeClr val="bg2"/>
+                  </a:outerShdw>
+                </a:effectLst>
+              </a14:hiddenEffects>
+            </a:ext>
+          </a:extLst>
+        </p:spPr>
+      </p:pic>
+    </p:spTree>
+    <p:extLst>
+      <p:ext uri="{BB962C8B-B14F-4D97-AF65-F5344CB8AC3E}">
+        <p14:creationId xmlns:p14="http://schemas.microsoft.com/office/powerpoint/2010/main" val="1500245664"/>
+      </p:ext>
+    </p:extLst>
+  </p:cSld>
+  <p:clrMapOvr>
+    <a:masterClrMapping/>
+  </p:clrMapOvr>
+</p:sld>
+</file>
+
+<file path=ppt/slides/slide19.xml><?xml version="1.0" encoding="utf-8"?>
+<p:sld xmlns:a="http://schemas.openxmlformats.org/drawingml/2006/main" xmlns:r="http://schemas.openxmlformats.org/officeDocument/2006/relationships" xmlns:p="http://schemas.openxmlformats.org/presentationml/2006/main">
+  <p:cSld>
+    <p:spTree>
+      <p:nvGrpSpPr>
+        <p:cNvPr id="1" name=""/>
+        <p:cNvGrpSpPr/>
+        <p:nvPr/>
+      </p:nvGrpSpPr>
+      <p:grpSpPr>
+        <a:xfrm>
+          <a:off x="0" y="0"/>
+          <a:ext cx="0" cy="0"/>
+          <a:chOff x="0" y="0"/>
+          <a:chExt cx="0" cy="0"/>
+        </a:xfrm>
+      </p:grpSpPr>
+      <p:sp>
+        <p:nvSpPr>
+          <p:cNvPr id="2" name="Titre 1"/>
+          <p:cNvSpPr>
+            <a:spLocks noGrp="1"/>
+          </p:cNvSpPr>
+          <p:nvPr>
+            <p:ph type="title"/>
+          </p:nvPr>
+        </p:nvSpPr>
+        <p:spPr/>
+        <p:txBody>
+          <a:bodyPr/>
+          <a:lstStyle/>
+          <a:p>
+            <a:r>
+              <a:rPr lang="en-US" dirty="0" smtClean="0"/>
+              <a:t>Results: Present your findings</a:t>
+            </a:r>
+            <a:endParaRPr lang="en-US" dirty="0"/>
+          </a:p>
+        </p:txBody>
+      </p:sp>
+      <p:sp>
+        <p:nvSpPr>
+          <p:cNvPr id="3" name="Espace réservé du contenu 2"/>
+          <p:cNvSpPr>
+            <a:spLocks noGrp="1"/>
+          </p:cNvSpPr>
+          <p:nvPr>
+            <p:ph idx="1"/>
+          </p:nvPr>
+        </p:nvSpPr>
+        <p:spPr/>
+        <p:txBody>
+          <a:bodyPr/>
+          <a:lstStyle/>
+          <a:p>
+            <a:r>
+              <a:rPr lang="en-US" dirty="0" smtClean="0"/>
+              <a:t>A ride lasts on average about 37 min (18 min for members and 60 min for casuals)</a:t>
+            </a:r>
+          </a:p>
+          <a:p>
+            <a:r>
+              <a:rPr lang="en-US" dirty="0" smtClean="0"/>
+              <a:t>The most popular days are Tuesday and Saturdays</a:t>
+            </a:r>
+          </a:p>
+          <a:p>
+            <a:r>
+              <a:rPr lang="en-US" dirty="0" smtClean="0"/>
+              <a:t>Sunday is the least day for rides numbers</a:t>
+            </a:r>
+          </a:p>
+          <a:p>
+            <a:r>
+              <a:rPr lang="en-US" dirty="0" smtClean="0"/>
+              <a:t>A casual ride last about 3,5 times than a member ride all week</a:t>
+            </a:r>
+          </a:p>
+          <a:p>
+            <a:r>
+              <a:rPr lang="en-US" dirty="0" smtClean="0"/>
+              <a:t>The docked Bike is still far more popular than the electric one</a:t>
+            </a:r>
+          </a:p>
+          <a:p>
+            <a:r>
+              <a:rPr lang="en-US" dirty="0" smtClean="0"/>
+              <a:t>Both riders rent bikes with same cadency (Max is on the first 10 days of the month) : This can be explained by the </a:t>
+            </a:r>
+            <a:r>
+              <a:rPr lang="en-US" dirty="0" smtClean="0">
+                <a:hlinkClick r:id="rId2"/>
+              </a:rPr>
+              <a:t>weather conditions</a:t>
+            </a:r>
+            <a:r>
+              <a:rPr lang="en-US" dirty="0" smtClean="0"/>
+              <a:t> relative to the month of the study (snow begins on the third week of April, 2020)</a:t>
+            </a:r>
+          </a:p>
+          <a:p>
+            <a:endParaRPr lang="en-US" dirty="0" smtClean="0"/>
+          </a:p>
+          <a:p>
+            <a:endParaRPr lang="en-US" dirty="0"/>
+          </a:p>
+        </p:txBody>
+      </p:sp>
+      <p:sp>
+        <p:nvSpPr>
+          <p:cNvPr id="4" name="Espace réservé du numéro de diapositive 3"/>
+          <p:cNvSpPr>
+            <a:spLocks noGrp="1"/>
+          </p:cNvSpPr>
+          <p:nvPr>
+            <p:ph type="sldNum" sz="quarter" idx="12"/>
+          </p:nvPr>
+        </p:nvSpPr>
+        <p:spPr/>
+        <p:txBody>
+          <a:bodyPr/>
+          <a:lstStyle/>
+          <a:p>
+            <a:fld id="{CF4668DC-857F-487D-BFFA-8C0CA5037977}" type="slidenum">
+              <a:rPr lang="fr-BE" smtClean="0"/>
+              <a:t>19</a:t>
+            </a:fld>
+            <a:endParaRPr lang="fr-BE"/>
+          </a:p>
+        </p:txBody>
+      </p:sp>
+    </p:spTree>
+    <p:extLst>
+      <p:ext uri="{BB962C8B-B14F-4D97-AF65-F5344CB8AC3E}">
+        <p14:creationId xmlns:p14="http://schemas.microsoft.com/office/powerpoint/2010/main" val="486403301"/>
+      </p:ext>
+    </p:extLst>
+  </p:cSld>
+  <p:clrMapOvr>
+    <a:masterClrMapping/>
+  </p:clrMapOvr>
+</p:sld>
+</file>
+
 <file path=ppt/slides/slide2.xml><?xml version="1.0" encoding="utf-8"?>
 <p:sld xmlns:a="http://schemas.openxmlformats.org/drawingml/2006/main" xmlns:r="http://schemas.openxmlformats.org/officeDocument/2006/relationships" xmlns:p="http://schemas.openxmlformats.org/presentationml/2006/main">
   <p:cSld>
@@ -4793,6 +5712,297 @@
     <p:extLst>
       <p:ext uri="{BB962C8B-B14F-4D97-AF65-F5344CB8AC3E}">
         <p14:creationId xmlns:p14="http://schemas.microsoft.com/office/powerpoint/2010/main" val="3221163642"/>
+      </p:ext>
+    </p:extLst>
+  </p:cSld>
+  <p:clrMapOvr>
+    <a:masterClrMapping/>
+  </p:clrMapOvr>
+</p:sld>
+</file>
+
+<file path=ppt/slides/slide20.xml><?xml version="1.0" encoding="utf-8"?>
+<p:sld xmlns:a="http://schemas.openxmlformats.org/drawingml/2006/main" xmlns:r="http://schemas.openxmlformats.org/officeDocument/2006/relationships" xmlns:p="http://schemas.openxmlformats.org/presentationml/2006/main">
+  <p:cSld>
+    <p:spTree>
+      <p:nvGrpSpPr>
+        <p:cNvPr id="1" name=""/>
+        <p:cNvGrpSpPr/>
+        <p:nvPr/>
+      </p:nvGrpSpPr>
+      <p:grpSpPr>
+        <a:xfrm>
+          <a:off x="0" y="0"/>
+          <a:ext cx="0" cy="0"/>
+          <a:chOff x="0" y="0"/>
+          <a:chExt cx="0" cy="0"/>
+        </a:xfrm>
+      </p:grpSpPr>
+      <p:sp>
+        <p:nvSpPr>
+          <p:cNvPr id="2" name="Titre 1"/>
+          <p:cNvSpPr>
+            <a:spLocks noGrp="1"/>
+          </p:cNvSpPr>
+          <p:nvPr>
+            <p:ph type="title"/>
+          </p:nvPr>
+        </p:nvSpPr>
+        <p:spPr/>
+        <p:txBody>
+          <a:bodyPr/>
+          <a:lstStyle/>
+          <a:p>
+            <a:r>
+              <a:rPr lang="fr-FR" dirty="0" err="1" smtClean="0"/>
+              <a:t>Act</a:t>
+            </a:r>
+            <a:r>
+              <a:rPr lang="fr-FR" dirty="0" smtClean="0"/>
+              <a:t>: conclusion (1)</a:t>
+            </a:r>
+            <a:endParaRPr lang="fr-FR" dirty="0"/>
+          </a:p>
+        </p:txBody>
+      </p:sp>
+      <p:sp>
+        <p:nvSpPr>
+          <p:cNvPr id="3" name="Espace réservé du contenu 2"/>
+          <p:cNvSpPr>
+            <a:spLocks noGrp="1"/>
+          </p:cNvSpPr>
+          <p:nvPr>
+            <p:ph idx="1"/>
+          </p:nvPr>
+        </p:nvSpPr>
+        <p:spPr/>
+        <p:txBody>
+          <a:bodyPr/>
+          <a:lstStyle/>
+          <a:p>
+            <a:pPr>
+              <a:lnSpc>
+                <a:spcPct val="200000"/>
+              </a:lnSpc>
+            </a:pPr>
+            <a:r>
+              <a:rPr lang="en-US" dirty="0" smtClean="0"/>
+              <a:t>Main objective: Discover behavioral difference between members and casuals riders to gain the latters loyalty</a:t>
+            </a:r>
+          </a:p>
+          <a:p>
+            <a:pPr>
+              <a:lnSpc>
+                <a:spcPct val="200000"/>
+              </a:lnSpc>
+            </a:pPr>
+            <a:r>
+              <a:rPr lang="en-US" dirty="0" smtClean="0"/>
+              <a:t>Members uses bikes either for work or school since there is no variation in the number of rides over the days contrary to </a:t>
+            </a:r>
+            <a:r>
+              <a:rPr lang="en-US" dirty="0" err="1" smtClean="0"/>
+              <a:t>tha</a:t>
+            </a:r>
+            <a:r>
+              <a:rPr lang="en-US" dirty="0" smtClean="0"/>
+              <a:t> casuals</a:t>
+            </a:r>
+          </a:p>
+          <a:p>
+            <a:pPr>
+              <a:lnSpc>
+                <a:spcPct val="200000"/>
+              </a:lnSpc>
+            </a:pPr>
+            <a:r>
+              <a:rPr lang="en-US" dirty="0" smtClean="0"/>
+              <a:t>The pick of use for casuals is on the weekends (Saturdays)</a:t>
+            </a:r>
+            <a:endParaRPr lang="en-US" dirty="0"/>
+          </a:p>
+        </p:txBody>
+      </p:sp>
+      <p:sp>
+        <p:nvSpPr>
+          <p:cNvPr id="4" name="Espace réservé du numéro de diapositive 3"/>
+          <p:cNvSpPr>
+            <a:spLocks noGrp="1"/>
+          </p:cNvSpPr>
+          <p:nvPr>
+            <p:ph type="sldNum" sz="quarter" idx="12"/>
+          </p:nvPr>
+        </p:nvSpPr>
+        <p:spPr/>
+        <p:txBody>
+          <a:bodyPr/>
+          <a:lstStyle/>
+          <a:p>
+            <a:fld id="{CF4668DC-857F-487D-BFFA-8C0CA5037977}" type="slidenum">
+              <a:rPr lang="fr-BE" smtClean="0"/>
+              <a:t>20</a:t>
+            </a:fld>
+            <a:endParaRPr lang="fr-BE"/>
+          </a:p>
+        </p:txBody>
+      </p:sp>
+    </p:spTree>
+    <p:extLst>
+      <p:ext uri="{BB962C8B-B14F-4D97-AF65-F5344CB8AC3E}">
+        <p14:creationId xmlns:p14="http://schemas.microsoft.com/office/powerpoint/2010/main" val="2895882986"/>
+      </p:ext>
+    </p:extLst>
+  </p:cSld>
+  <p:clrMapOvr>
+    <a:masterClrMapping/>
+  </p:clrMapOvr>
+</p:sld>
+</file>
+
+<file path=ppt/slides/slide21.xml><?xml version="1.0" encoding="utf-8"?>
+<p:sld xmlns:a="http://schemas.openxmlformats.org/drawingml/2006/main" xmlns:r="http://schemas.openxmlformats.org/officeDocument/2006/relationships" xmlns:p="http://schemas.openxmlformats.org/presentationml/2006/main">
+  <p:cSld>
+    <p:spTree>
+      <p:nvGrpSpPr>
+        <p:cNvPr id="1" name=""/>
+        <p:cNvGrpSpPr/>
+        <p:nvPr/>
+      </p:nvGrpSpPr>
+      <p:grpSpPr>
+        <a:xfrm>
+          <a:off x="0" y="0"/>
+          <a:ext cx="0" cy="0"/>
+          <a:chOff x="0" y="0"/>
+          <a:chExt cx="0" cy="0"/>
+        </a:xfrm>
+      </p:grpSpPr>
+      <p:sp>
+        <p:nvSpPr>
+          <p:cNvPr id="2" name="Titre 1"/>
+          <p:cNvSpPr>
+            <a:spLocks noGrp="1"/>
+          </p:cNvSpPr>
+          <p:nvPr>
+            <p:ph type="title"/>
+          </p:nvPr>
+        </p:nvSpPr>
+        <p:spPr/>
+        <p:txBody>
+          <a:bodyPr/>
+          <a:lstStyle/>
+          <a:p>
+            <a:r>
+              <a:rPr lang="fr-FR" dirty="0" err="1"/>
+              <a:t>Act</a:t>
+            </a:r>
+            <a:r>
+              <a:rPr lang="fr-FR" dirty="0"/>
+              <a:t>: conclusion </a:t>
+            </a:r>
+            <a:r>
+              <a:rPr lang="fr-FR" dirty="0" smtClean="0"/>
+              <a:t>(2)</a:t>
+            </a:r>
+            <a:endParaRPr lang="fr-FR" dirty="0"/>
+          </a:p>
+        </p:txBody>
+      </p:sp>
+      <p:sp>
+        <p:nvSpPr>
+          <p:cNvPr id="3" name="Espace réservé du contenu 2"/>
+          <p:cNvSpPr>
+            <a:spLocks noGrp="1"/>
+          </p:cNvSpPr>
+          <p:nvPr>
+            <p:ph idx="1"/>
+          </p:nvPr>
+        </p:nvSpPr>
+        <p:spPr/>
+        <p:txBody>
+          <a:bodyPr/>
+          <a:lstStyle/>
+          <a:p>
+            <a:pPr marL="114300" indent="0">
+              <a:lnSpc>
+                <a:spcPct val="150000"/>
+              </a:lnSpc>
+              <a:buNone/>
+            </a:pPr>
+            <a:r>
+              <a:rPr lang="en-US" dirty="0" smtClean="0"/>
+              <a:t>My three recommendations are:</a:t>
+            </a:r>
+          </a:p>
+          <a:p>
+            <a:pPr marL="571500" indent="-457200">
+              <a:lnSpc>
+                <a:spcPct val="150000"/>
+              </a:lnSpc>
+              <a:buFont typeface="+mj-lt"/>
+              <a:buAutoNum type="arabicPeriod"/>
+            </a:pPr>
+            <a:r>
+              <a:rPr lang="en-US" dirty="0" smtClean="0"/>
+              <a:t>Launch a specific weekend only membership with a lower price than the annual memberships</a:t>
+            </a:r>
+          </a:p>
+          <a:p>
+            <a:pPr marL="571500" indent="-457200">
+              <a:lnSpc>
+                <a:spcPct val="150000"/>
+              </a:lnSpc>
+              <a:buFont typeface="+mj-lt"/>
+              <a:buAutoNum type="arabicPeriod"/>
+            </a:pPr>
+            <a:r>
+              <a:rPr lang="en-US" dirty="0" smtClean="0"/>
+              <a:t>Launch campaigns on sunny months (Spring, summer) to avoid severe weather conditions such as Wind, Snow and rain to maximize interaction</a:t>
+            </a:r>
+            <a:endParaRPr lang="en-US" dirty="0"/>
+          </a:p>
+          <a:p>
+            <a:pPr marL="571500" indent="-457200">
+              <a:lnSpc>
+                <a:spcPct val="150000"/>
+              </a:lnSpc>
+              <a:buFont typeface="+mj-lt"/>
+              <a:buAutoNum type="arabicPeriod"/>
+            </a:pPr>
+            <a:r>
+              <a:rPr lang="en-US" dirty="0" smtClean="0"/>
+              <a:t>As casual riders rent as they go, offering them sightseeing pragmas with the city monuments and sights could be a great type of casuals memberships.</a:t>
+            </a:r>
+            <a:endParaRPr lang="en-US" dirty="0"/>
+          </a:p>
+        </p:txBody>
+      </p:sp>
+      <p:sp>
+        <p:nvSpPr>
+          <p:cNvPr id="4" name="Espace réservé du numéro de diapositive 3"/>
+          <p:cNvSpPr>
+            <a:spLocks noGrp="1"/>
+          </p:cNvSpPr>
+          <p:nvPr>
+            <p:ph type="sldNum" sz="quarter" idx="12"/>
+          </p:nvPr>
+        </p:nvSpPr>
+        <p:spPr/>
+        <p:txBody>
+          <a:bodyPr/>
+          <a:lstStyle/>
+          <a:p>
+            <a:fld id="{CF4668DC-857F-487D-BFFA-8C0CA5037977}" type="slidenum">
+              <a:rPr lang="fr-BE" smtClean="0"/>
+              <a:t>21</a:t>
+            </a:fld>
+            <a:endParaRPr lang="fr-BE"/>
+          </a:p>
+        </p:txBody>
+      </p:sp>
+    </p:spTree>
+    <p:extLst>
+      <p:ext uri="{BB962C8B-B14F-4D97-AF65-F5344CB8AC3E}">
+        <p14:creationId xmlns:p14="http://schemas.microsoft.com/office/powerpoint/2010/main" val="964937332"/>
       </p:ext>
     </p:extLst>
   </p:cSld>
@@ -5184,15 +6394,7 @@
             </a:pPr>
             <a:r>
               <a:rPr lang="en-US" dirty="0" smtClean="0"/>
-              <a:t>The use of </a:t>
-            </a:r>
-            <a:r>
-              <a:rPr lang="en-US" dirty="0" smtClean="0"/>
-              <a:t>python </a:t>
-            </a:r>
-            <a:r>
-              <a:rPr lang="en-US" dirty="0" smtClean="0"/>
-              <a:t>for Data analyses</a:t>
+              <a:t>The use of python for Data analyses</a:t>
             </a:r>
           </a:p>
           <a:p>
@@ -5349,7 +6551,6 @@
               <a:rPr lang="en-US" dirty="0" smtClean="0"/>
               <a:t>Document All data sources and their EDA</a:t>
             </a:r>
-            <a:endParaRPr lang="en-US" dirty="0" smtClean="0"/>
           </a:p>
           <a:p>
             <a:pPr>
@@ -5359,11 +6560,7 @@
             </a:pPr>
             <a:r>
               <a:rPr lang="en-US" dirty="0" smtClean="0"/>
-              <a:t>Results must </a:t>
-            </a:r>
-            <a:r>
-              <a:rPr lang="en-US" dirty="0" smtClean="0"/>
-              <a:t>be clearly visualized  </a:t>
+              <a:t>Results must be clearly visualized  </a:t>
             </a:r>
           </a:p>
           <a:p>
@@ -5374,19 +6571,7 @@
             </a:pPr>
             <a:r>
               <a:rPr lang="en-US" dirty="0" smtClean="0"/>
-              <a:t>Recommendation </a:t>
-            </a:r>
-            <a:r>
-              <a:rPr lang="en-US" dirty="0" smtClean="0"/>
-              <a:t>will be </a:t>
-            </a:r>
-            <a:r>
-              <a:rPr lang="en-US" dirty="0" smtClean="0"/>
-              <a:t>delivered to </a:t>
-            </a:r>
-            <a:r>
-              <a:rPr lang="en-US" dirty="0" smtClean="0"/>
-              <a:t>help define the membership conversion program</a:t>
+              <a:t>Recommendation will be delivered to help define the membership conversion program</a:t>
             </a:r>
             <a:endParaRPr lang="en-US" dirty="0"/>
           </a:p>

--- a/Google analytics Capstone.pptx
+++ b/Google analytics Capstone.pptx
@@ -212,7 +212,7 @@
           <a:p>
             <a:fld id="{940731A4-A046-47AB-AB0E-82AB7C1DE3B5}" type="datetimeFigureOut">
               <a:rPr lang="fr-FR" smtClean="0"/>
-              <a:t>19/06/2022</a:t>
+              <a:t>20/06/2022</a:t>
             </a:fld>
             <a:endParaRPr lang="fr-FR"/>
           </a:p>
@@ -674,7 +674,7 @@
           <a:p>
             <a:fld id="{FD8A8D2A-0B60-4D10-8D9F-E7361E3F6E24}" type="datetime1">
               <a:rPr lang="fr-FR" smtClean="0"/>
-              <a:t>19/06/2022</a:t>
+              <a:t>20/06/2022</a:t>
             </a:fld>
             <a:endParaRPr lang="fr-BE"/>
           </a:p>
@@ -839,7 +839,7 @@
           <a:p>
             <a:fld id="{632CFCD4-0FEE-4974-8705-614DE6F223C6}" type="datetime1">
               <a:rPr lang="fr-FR" smtClean="0"/>
-              <a:t>19/06/2022</a:t>
+              <a:t>20/06/2022</a:t>
             </a:fld>
             <a:endParaRPr lang="fr-BE"/>
           </a:p>
@@ -1014,7 +1014,7 @@
           <a:p>
             <a:fld id="{8955238C-1664-4135-95EC-D89B2E95D969}" type="datetime1">
               <a:rPr lang="fr-FR" smtClean="0"/>
-              <a:t>19/06/2022</a:t>
+              <a:t>20/06/2022</a:t>
             </a:fld>
             <a:endParaRPr lang="fr-BE"/>
           </a:p>
@@ -1179,7 +1179,7 @@
           <a:p>
             <a:fld id="{C7BB5508-1BBF-4242-8CE9-F4ABBB144E03}" type="datetime1">
               <a:rPr lang="fr-FR" smtClean="0"/>
-              <a:t>19/06/2022</a:t>
+              <a:t>20/06/2022</a:t>
             </a:fld>
             <a:endParaRPr lang="fr-BE"/>
           </a:p>
@@ -1420,7 +1420,7 @@
           <a:p>
             <a:fld id="{4066890E-337D-4435-A361-AC7F54E58E3E}" type="datetime1">
               <a:rPr lang="fr-FR" smtClean="0"/>
-              <a:t>19/06/2022</a:t>
+              <a:t>20/06/2022</a:t>
             </a:fld>
             <a:endParaRPr lang="fr-BE"/>
           </a:p>
@@ -1703,7 +1703,7 @@
           <a:p>
             <a:fld id="{11631553-4E75-4E69-8F1D-DEC88282CE08}" type="datetime1">
               <a:rPr lang="fr-FR" smtClean="0"/>
-              <a:t>19/06/2022</a:t>
+              <a:t>20/06/2022</a:t>
             </a:fld>
             <a:endParaRPr lang="fr-BE"/>
           </a:p>
@@ -2132,7 +2132,7 @@
           <a:p>
             <a:fld id="{980A5584-910C-4B22-9D18-35E1B57C6894}" type="datetime1">
               <a:rPr lang="fr-FR" smtClean="0"/>
-              <a:t>19/06/2022</a:t>
+              <a:t>20/06/2022</a:t>
             </a:fld>
             <a:endParaRPr lang="fr-BE"/>
           </a:p>
@@ -2245,7 +2245,7 @@
           <a:p>
             <a:fld id="{FBF09D3C-4588-45A4-9D6A-87E1B7E28026}" type="datetime1">
               <a:rPr lang="fr-FR" smtClean="0"/>
-              <a:t>19/06/2022</a:t>
+              <a:t>20/06/2022</a:t>
             </a:fld>
             <a:endParaRPr lang="fr-BE"/>
           </a:p>
@@ -2335,7 +2335,7 @@
           <a:p>
             <a:fld id="{6CCB97F1-6B77-4E9E-8CEB-A970A9F0D2E6}" type="datetime1">
               <a:rPr lang="fr-FR" smtClean="0"/>
-              <a:t>19/06/2022</a:t>
+              <a:t>20/06/2022</a:t>
             </a:fld>
             <a:endParaRPr lang="fr-BE"/>
           </a:p>
@@ -2524,7 +2524,7 @@
           <a:p>
             <a:fld id="{FC3C879F-46CB-44E1-9372-F53E1CACB493}" type="datetime1">
               <a:rPr lang="fr-FR" smtClean="0"/>
-              <a:t>19/06/2022</a:t>
+              <a:t>20/06/2022</a:t>
             </a:fld>
             <a:endParaRPr lang="fr-BE"/>
           </a:p>
@@ -2842,7 +2842,7 @@
           <a:p>
             <a:fld id="{2B57825A-7304-4CA3-8378-F9093DB8265F}" type="datetime1">
               <a:rPr lang="fr-FR" smtClean="0"/>
-              <a:t>19/06/2022</a:t>
+              <a:t>20/06/2022</a:t>
             </a:fld>
             <a:endParaRPr lang="fr-BE"/>
           </a:p>
@@ -3221,7 +3221,7 @@
           <a:p>
             <a:fld id="{2FECE4EF-EBAE-4D70-A9C1-07A107AD85E5}" type="datetime1">
               <a:rPr lang="fr-FR" smtClean="0"/>
-              <a:t>19/06/2022</a:t>
+              <a:t>20/06/2022</a:t>
             </a:fld>
             <a:endParaRPr lang="fr-BE"/>
           </a:p>
@@ -6359,12 +6359,12 @@
               <a:t>Based </a:t>
             </a:r>
             <a:r>
-              <a:rPr lang="en-US" dirty="0" err="1" smtClean="0"/>
-              <a:t>onthe</a:t>
-            </a:r>
-            <a:r>
               <a:rPr lang="en-US" dirty="0" smtClean="0"/>
-              <a:t> data analysis process: Ask, prepare, process, </a:t>
+              <a:t>on the </a:t>
+            </a:r>
+            <a:r>
+              <a:rPr lang="en-US" dirty="0" smtClean="0"/>
+              <a:t>data analysis process: Ask, prepare, process, </a:t>
             </a:r>
             <a:r>
               <a:rPr lang="en-US" dirty="0" err="1" smtClean="0"/>
@@ -6405,7 +6405,15 @@
             </a:pPr>
             <a:r>
               <a:rPr lang="en-US" dirty="0" smtClean="0"/>
-              <a:t>The use of Tableau for the Data visualization</a:t>
+              <a:t>The use of </a:t>
+            </a:r>
+            <a:r>
+              <a:rPr lang="en-US" dirty="0"/>
+              <a:t>python for </a:t>
+            </a:r>
+            <a:r>
+              <a:rPr lang="en-US" dirty="0" smtClean="0"/>
+              <a:t>the Data visualization</a:t>
             </a:r>
           </a:p>
           <a:p>
